--- a/lab-freshmen/AI/0407.Reducing Tail Latency of DNN-based Recommender Systems using In-storage Processing/Reducing Tail Latency_20230314_Daehan.Lee.pptx
+++ b/lab-freshmen/AI/0407.Reducing Tail Latency of DNN-based Recommender Systems using In-storage Processing/Reducing Tail Latency_20230314_Daehan.Lee.pptx
@@ -7364,7 +7364,19 @@
               <a:rPr lang="ko-KR" altLang="en-US" dirty="0">
                 <a:ea typeface="맑은 고딕"/>
               </a:rPr>
-              <a:t>간 상호 연결 패브릭</a:t>
+              <a:t>간 </a:t>
+            </a:r>
+            <a:r>
+              <a:rPr lang="en-US" altLang="ko-KR" dirty="0">
+                <a:ea typeface="맑은 고딕"/>
+              </a:rPr>
+              <a:t>interconnection </a:t>
+            </a:r>
+            <a:r>
+              <a:rPr lang="ko-KR" altLang="en-US" dirty="0">
+                <a:ea typeface="맑은 고딕"/>
+              </a:rPr>
+              <a:t>패브릭</a:t>
             </a:r>
             <a:r>
               <a:rPr lang="en-US" altLang="ko-KR" dirty="0">
@@ -14563,7 +14575,7 @@
               <a:rPr lang="en-US" altLang="en-US" dirty="0">
                 <a:ea typeface="ヒラギノ角ゴ ProN W3"/>
               </a:rPr>
-              <a:t>, DLRM was executed </a:t>
+              <a:t>, DLRM was executed.</a:t>
             </a:r>
             <a:endParaRPr lang="en-US" altLang="en-US" dirty="0">
               <a:latin typeface="Calibri Bold"/>
@@ -15089,7 +15101,7 @@
                 <a:latin typeface="Calibri Bold"/>
                 <a:ea typeface="ヒラギノ角ゴ ProN W3"/>
               </a:rPr>
-              <a:t>Cache hit ratio reaches almost 100% when 14% of total embedding vectors are cached in DRAM</a:t>
+              <a:t>Cache hit ratio reaches almost 100% when 14% of total embedding vectors are cached in DRAM.</a:t>
             </a:r>
           </a:p>
           <a:p>
@@ -15506,7 +15518,7 @@
               <a:rPr lang="en-US" altLang="en-US" dirty="0">
                 <a:ea typeface="ヒラギノ角ゴ ProN W3"/>
               </a:rPr>
-              <a:t>Caching 10,000 vectors in DRAM is sufficient to achieve a hit ratio of 100%</a:t>
+              <a:t>Caching 10,000 vectors in DRAM is sufficient to achieve a hit ratio of 100%.</a:t>
             </a:r>
             <a:endParaRPr lang="en-US" altLang="en-US" dirty="0">
               <a:latin typeface="Calibri Bold"/>
@@ -15839,7 +15851,7 @@
               <a:rPr lang="en-US" altLang="en-US" dirty="0">
                 <a:ea typeface="ヒラギノ角ゴ ProN W3"/>
               </a:rPr>
-              <a:t>Increasing the cache size to hold 8M vectors (equivalent to 3.8GB DRAM) doesn't improve the overall cache hit ratio</a:t>
+              <a:t>Increasing the cache size to hold 8M vectors (equivalent to 3.8GB DRAM) doesn't improve the overall cache hit ratio.</a:t>
             </a:r>
             <a:endParaRPr lang="en-US" altLang="en-US" dirty="0">
               <a:latin typeface="Calibri Bold"/>
@@ -16241,7 +16253,7 @@
               <a:rPr lang="en-US" altLang="en-US" dirty="0">
                 <a:latin typeface="Calibri Bold"/>
               </a:rPr>
-              <a:t> and data transfer s</a:t>
+              <a:t> and data transfer.</a:t>
             </a:r>
           </a:p>
         </p:txBody>
@@ -16892,7 +16904,7 @@
               <a:rPr lang="en-US" altLang="en-US" dirty="0">
                 <a:latin typeface="Calibri Bold"/>
               </a:rPr>
-              <a:t>EMB-SSD possesses the following features: </a:t>
+              <a:t>EMB-SSD possesses the following features : </a:t>
             </a:r>
             <a:r>
               <a:rPr lang="en-US" altLang="en-US" dirty="0" err="1">
@@ -16904,7 +16916,7 @@
               <a:rPr lang="en-US" altLang="en-US" dirty="0">
                 <a:latin typeface="Calibri Bold"/>
               </a:rPr>
-              <a:t>, EMB-Engine, I/O merging &amp; caching, and SIMD acceleration</a:t>
+              <a:t>, EMB-Engine, I/O merging &amp; caching, and SIMD acceleration.</a:t>
             </a:r>
           </a:p>
         </p:txBody>
@@ -17434,7 +17446,7 @@
               <a:rPr lang="en-US" altLang="en-US" dirty="0">
                 <a:ea typeface="ヒラギノ角ゴ ProN W3"/>
               </a:rPr>
-              <a:t> exposes three new commands : EMB_WRITE, EMB_READ, EMB_REMOVE</a:t>
+              <a:t> exposes three new commands : EMB_WRITE, EMB_READ, EMB_REMOVE.</a:t>
             </a:r>
           </a:p>
           <a:p>
@@ -17455,7 +17467,7 @@
               <a:rPr lang="en-US" altLang="en-US" dirty="0">
                 <a:ea typeface="ヒラギノ角ゴ ProN W3"/>
               </a:rPr>
-              <a:t>EMB_WRITE : (1) embedding table number (2) a list of embedding vectors needed to create a new embedding table in flash</a:t>
+              <a:t>EMB_WRITE : (1) embedding table number (2) a list of embedding vectors needed to create a new embedding table in flash.</a:t>
             </a:r>
           </a:p>
           <a:p>
@@ -18073,7 +18085,7 @@
               <a:rPr lang="en-US" altLang="en-US" dirty="0">
                 <a:latin typeface="Calibri Bold"/>
               </a:rPr>
-              <a:t>EMB_READ : (1) List of table numbers (2) List of embedding vector indices per table (3) Type of operations to perform on the tables</a:t>
+              <a:t>EMB_READ : (1) List of table numbers (2) List of embedding vector indices per table (3) Type of operations to perform on the tables.</a:t>
             </a:r>
           </a:p>
           <a:p>
@@ -18817,7 +18829,7 @@
               <a:rPr lang="en-US" altLang="en-US" dirty="0">
                 <a:latin typeface="Calibri Bold"/>
               </a:rPr>
-              <a:t>A list of LBAs can be retrieved by looking up the redirection table</a:t>
+              <a:t>A list of LBAs can be retrieved by looking up the redirection table.</a:t>
             </a:r>
           </a:p>
           <a:p>
@@ -19156,7 +19168,7 @@
               <a:rPr lang="en-US" altLang="en-US" dirty="0">
                 <a:latin typeface="Calibri Bold"/>
               </a:rPr>
-              <a:t>EMB-SSD uses an I/O merging technique to solve read amplification which degrades the overall I/O throughput</a:t>
+              <a:t>EMB-SSD uses an I/O merging technique to solve read amplification which degrades the overall I/O throughput.</a:t>
             </a:r>
           </a:p>
           <a:p>
@@ -19198,7 +19210,7 @@
               <a:rPr lang="en-US" altLang="en-US" dirty="0">
                 <a:latin typeface="Calibri Bold"/>
               </a:rPr>
-              <a:t>Besides I/O merging, EMB-SSD employs controller DRAM to cache frequently-used embedding vectors</a:t>
+              <a:t>Besides I/O merging, EMB-SSD employs controller DRAM to cache frequently-used embedding vectors.</a:t>
             </a:r>
           </a:p>
           <a:p>
@@ -19219,7 +19231,7 @@
               <a:rPr lang="en-US" altLang="en-US" dirty="0">
                 <a:latin typeface="Calibri Bold"/>
               </a:rPr>
-              <a:t>EMB-SSD can reduce the number of NAND page reads </a:t>
+              <a:t>EMB-SSD can reduce the number of NAND page reads.</a:t>
             </a:r>
           </a:p>
           <a:p>
@@ -19464,7 +19476,7 @@
               <a:rPr lang="en-US" altLang="en-US" dirty="0">
                 <a:latin typeface="Calibri Bold"/>
               </a:rPr>
-              <a:t>Simple operations in the embedding layer can still burden the ARM CPU, causing throughput drops when multiple vectors arrive</a:t>
+              <a:t>Simple operations in the embedding layer can still burden the ARM CPU, causing throughput drops when multiple vectors arrive.</a:t>
             </a:r>
           </a:p>
           <a:p>
@@ -20036,7 +20048,7 @@
               <a:rPr lang="en-US" altLang="en-US" dirty="0">
                 <a:latin typeface="Calibri Bold"/>
               </a:rPr>
-              <a:t>Xilinx ZCU102 board with a custom flash card attached</a:t>
+              <a:t>Xilinx ZCU102 board with a custom flash card attached.</a:t>
             </a:r>
           </a:p>
           <a:p>
@@ -20057,7 +20069,7 @@
               <a:rPr lang="en-US" altLang="en-US" dirty="0">
                 <a:latin typeface="Calibri Bold"/>
               </a:rPr>
-              <a:t>ZCU102 has a quad-core ARM Cortex-A53 CPU running at 1.2 GHz, 4GB of DRAM</a:t>
+              <a:t>ZCU102 has a quad-core ARM Cortex-A53 CPU running at 1.2 GHz, 4GB of DRAM.</a:t>
             </a:r>
           </a:p>
           <a:p>
@@ -20078,7 +20090,7 @@
               <a:rPr lang="en-US" altLang="en-US" dirty="0">
                 <a:latin typeface="Calibri Bold"/>
               </a:rPr>
-              <a:t>Flash card provides 1.2GB/s read throughput, 500 MB/s write throughput</a:t>
+              <a:t>Flash card provides 1.2GB/s read throughput, 500 MB/s write throughput.</a:t>
             </a:r>
           </a:p>
           <a:p>
@@ -20099,7 +20111,7 @@
               <a:rPr lang="en-US" altLang="en-US" dirty="0">
                 <a:latin typeface="Calibri Bold"/>
               </a:rPr>
-              <a:t>The 10GbE network is used to exchange data with x86 host</a:t>
+              <a:t>The 10GbE network is used to exchange data with x86 host.</a:t>
             </a:r>
           </a:p>
           <a:p>
@@ -20461,7 +20473,7 @@
               <a:rPr lang="en-US" altLang="en-US" dirty="0">
                 <a:latin typeface="Calibri Bold"/>
               </a:rPr>
-              <a:t>However, with a large number of vectors, the limited speed of ARM CPUs became a bottleneck in EMB-SSD</a:t>
+              <a:t>However, with a large number of vectors, the limited speed of ARM CPUs became a bottleneck in EMB-SSD.</a:t>
             </a:r>
           </a:p>
           <a:p>
@@ -20820,7 +20832,7 @@
               <a:rPr lang="en-US" altLang="en-US" dirty="0">
                 <a:latin typeface="Calibri Bold"/>
               </a:rPr>
-              <a:t>In Host-Caching, 70% of the total latency was spent in the network and software layer</a:t>
+              <a:t>In Host-Caching, 70% of the total latency was spent in the network and software layer.</a:t>
             </a:r>
           </a:p>
           <a:p>
@@ -20841,7 +20853,7 @@
               <a:rPr lang="en-US" altLang="en-US" dirty="0">
                 <a:latin typeface="Calibri Bold"/>
               </a:rPr>
-              <a:t>In EMB-SSD, Disk and computation time accounted for 30% of the total latency</a:t>
+              <a:t>In EMB-SSD, Disk and computation time accounted for 30% of the total latency.</a:t>
             </a:r>
           </a:p>
           <a:p>
@@ -21229,7 +21241,7 @@
               <a:rPr lang="en-US" altLang="en-US" dirty="0">
                 <a:latin typeface="Calibri Bold"/>
               </a:rPr>
-              <a:t>I/O Merging + Caching reduced the number of NAND accesses by 85% compared to Base</a:t>
+              <a:t>I/O Merging + Caching reduced the number of NAND accesses by 85% compared to Base.</a:t>
             </a:r>
           </a:p>
           <a:p>
@@ -21597,7 +21609,7 @@
               <a:rPr lang="en-US" altLang="ko-KR" dirty="0">
                 <a:latin typeface="Calibri Bold"/>
               </a:rPr>
-              <a:t>Embedding layer is important for recommenders but needs fast access to huge tables. So recommender systems keep it in DRAM</a:t>
+              <a:t>Embedding layer is important for recommenders but needs fast access to huge tables. So recommender systems keep it in DRAM.</a:t>
             </a:r>
           </a:p>
           <a:p>
@@ -21617,7 +21629,7 @@
               <a:rPr lang="en-US" altLang="en-US" dirty="0">
                 <a:latin typeface="Calibri Bold"/>
               </a:rPr>
-              <a:t>With the rapid growth of content, embedding layers become too large for DRAM. So popular part is in main memory, while storing the rest in the disk</a:t>
+              <a:t>With the rapid growth of content, embedding layers become too large for DRAM. So popular part is in main memory, while storing the rest in the disk.</a:t>
             </a:r>
           </a:p>
           <a:p>
@@ -21638,7 +21650,7 @@
               <a:rPr lang="en-US" altLang="en-US" dirty="0">
                 <a:latin typeface="Calibri Bold"/>
               </a:rPr>
-              <a:t>If desired data is not found in DRAM, it has to undergo disk accesses, which result in long tail of responses</a:t>
+              <a:t>If desired data is not found in DRAM, it has to undergo disk accesses, which result in long tail of responses.</a:t>
             </a:r>
           </a:p>
           <a:p>
@@ -21946,7 +21958,7 @@
               <a:rPr lang="en-US" altLang="ko-KR" dirty="0">
                 <a:latin typeface="Calibri Bold"/>
               </a:rPr>
-              <a:t>The performance of EMB-SSD improved by 3.4 times with SIMD optimization</a:t>
+              <a:t>The performance of EMB-SSD improved by 3.4 times with SIMD optimization.</a:t>
             </a:r>
           </a:p>
           <a:p>
@@ -21967,7 +21979,7 @@
               <a:rPr lang="en-US" altLang="en-US" dirty="0">
                 <a:latin typeface="Calibri Bold"/>
               </a:rPr>
-              <a:t>EMB-SSD efficiently parallelized embedding operations, fully utilizing available hardware support</a:t>
+              <a:t>EMB-SSD efficiently parallelized embedding operations, fully utilizing available hardware support.</a:t>
             </a:r>
           </a:p>
           <a:p>
@@ -22998,7 +23010,7 @@
               <a:rPr lang="en-US" altLang="ko-KR" dirty="0">
                 <a:latin typeface="Calibri Bold"/>
               </a:rPr>
-              <a:t>Bandana presented an idea of storing some of the embedding tables in the NVM device which are larger but slow than DRAM</a:t>
+              <a:t>Bandana presented an idea of storing some of the embedding tables in the NVM device which are larger but slow than DRAM.</a:t>
             </a:r>
           </a:p>
           <a:p>
@@ -23037,7 +23049,7 @@
                 <a:latin typeface="Calibri Bold"/>
                 <a:ea typeface="ヒラギノ角ゴ ProN W3"/>
               </a:rPr>
-              <a:t> merges detached DIMM devices on GPU interconnections, enhancing DRAM capacity for recommendation system</a:t>
+              <a:t> merges detached DIMM devices on GPU interconnections, enhancing DRAM capacity for recommendation system.</a:t>
             </a:r>
           </a:p>
           <a:p>
@@ -23613,8 +23625,17 @@
               <a:rPr lang="en-US" altLang="en-US" dirty="0">
                 <a:latin typeface="Calibri Bold"/>
               </a:rPr>
-              <a:t>EMB-SSD exhibit 47% and 25% shorter 99th percentile latency and average latency</a:t>
-            </a:r>
+              <a:t>EMB-SSD exhibit 47% and 25% shorter 99th percentile latency and </a:t>
+            </a:r>
+            <a:r>
+              <a:rPr lang="en-US" altLang="en-US">
+                <a:latin typeface="Calibri Bold"/>
+              </a:rPr>
+              <a:t>average latency.</a:t>
+            </a:r>
+            <a:endParaRPr lang="en-US" altLang="en-US" dirty="0">
+              <a:latin typeface="Calibri Bold"/>
+            </a:endParaRPr>
           </a:p>
           <a:p>
             <a:endParaRPr lang="en-US" altLang="en-US" dirty="0">
@@ -24132,7 +24153,7 @@
               <a:rPr lang="en-US" altLang="en-US" dirty="0">
                 <a:latin typeface="Calibri Bold"/>
               </a:rPr>
-              <a:t>The recommender system receives input data associated with users and contents, and return predicted click-through-rate</a:t>
+              <a:t>The recommender system receives input data associated with users and contents, and return predicted click-through-rate.</a:t>
             </a:r>
           </a:p>
           <a:p>
@@ -24149,7 +24170,7 @@
               <a:rPr lang="en-US" altLang="ko-KR" dirty="0">
                 <a:latin typeface="Calibri Bold"/>
               </a:rPr>
-              <a:t>The features of input data are either dense or sparse</a:t>
+              <a:t>The features of input data are either dense or sparse.</a:t>
             </a:r>
           </a:p>
           <a:p>
@@ -24408,7 +24429,7 @@
               <a:rPr lang="en-US" altLang="en-US" dirty="0">
                 <a:latin typeface="Calibri Bold"/>
               </a:rPr>
-              <a:t>Sparse features are encoded as multi-hot vectors</a:t>
+              <a:t>Sparse features are encoded as multi-hot vectors.</a:t>
             </a:r>
           </a:p>
           <a:p>
@@ -24421,7 +24442,7 @@
               <a:rPr lang="en-US" altLang="en-US" dirty="0">
                 <a:latin typeface="Calibri Bold"/>
               </a:rPr>
-              <a:t>If a user likes the contents with IDs 1 and 4, the multi-hot vector representing their preferences would be (0, 1, 0, 0, 1)</a:t>
+              <a:t>If a user likes the contents with IDs 1 and 4, the multi-hot vector representing their preferences would be (0, 1, 0, 0, 1).</a:t>
             </a:r>
           </a:p>
           <a:p>
@@ -25363,7 +25384,7 @@
               <a:rPr lang="en-US" altLang="en-US" dirty="0">
                 <a:latin typeface="Calibri Bold"/>
               </a:rPr>
-              <a:t>As web services have more content and require better result, embedding table size will increase</a:t>
+              <a:t>As web services have more content and require better result, embedding table size will increase.</a:t>
             </a:r>
           </a:p>
           <a:p>
